--- a/Python-Slides/Variables&Operators-in-Python-Session#2.pptx
+++ b/Python-Slides/Variables&Operators-in-Python-Session#2.pptx
@@ -9,12 +9,15 @@
     <p:sldId id="257" r:id="rId3"/>
     <p:sldId id="258" r:id="rId4"/>
     <p:sldId id="259" r:id="rId5"/>
-    <p:sldId id="265" r:id="rId6"/>
-    <p:sldId id="264" r:id="rId7"/>
-    <p:sldId id="260" r:id="rId8"/>
-    <p:sldId id="261" r:id="rId9"/>
-    <p:sldId id="262" r:id="rId10"/>
-    <p:sldId id="263" r:id="rId11"/>
+    <p:sldId id="264" r:id="rId6"/>
+    <p:sldId id="260" r:id="rId7"/>
+    <p:sldId id="261" r:id="rId8"/>
+    <p:sldId id="262" r:id="rId9"/>
+    <p:sldId id="263" r:id="rId10"/>
+    <p:sldId id="265" r:id="rId11"/>
+    <p:sldId id="266" r:id="rId12"/>
+    <p:sldId id="267" r:id="rId13"/>
+    <p:sldId id="268" r:id="rId14"/>
   </p:sldIdLst>
   <p:sldSz cx="12192000" cy="6858000"/>
   <p:notesSz cx="6858000" cy="9144000"/>
@@ -270,7 +273,7 @@
           <a:p>
             <a:fld id="{EDEF2418-3E91-4441-86BA-1E23AD1ACEB8}" type="datetimeFigureOut">
               <a:rPr lang="en-IN" smtClean="0"/>
-              <a:t>29-11-2020</a:t>
+              <a:t>07-07-2021</a:t>
             </a:fld>
             <a:endParaRPr lang="en-IN"/>
           </a:p>
@@ -470,7 +473,7 @@
           <a:p>
             <a:fld id="{EDEF2418-3E91-4441-86BA-1E23AD1ACEB8}" type="datetimeFigureOut">
               <a:rPr lang="en-IN" smtClean="0"/>
-              <a:t>29-11-2020</a:t>
+              <a:t>07-07-2021</a:t>
             </a:fld>
             <a:endParaRPr lang="en-IN"/>
           </a:p>
@@ -680,7 +683,7 @@
           <a:p>
             <a:fld id="{EDEF2418-3E91-4441-86BA-1E23AD1ACEB8}" type="datetimeFigureOut">
               <a:rPr lang="en-IN" smtClean="0"/>
-              <a:t>29-11-2020</a:t>
+              <a:t>07-07-2021</a:t>
             </a:fld>
             <a:endParaRPr lang="en-IN"/>
           </a:p>
@@ -880,7 +883,7 @@
           <a:p>
             <a:fld id="{EDEF2418-3E91-4441-86BA-1E23AD1ACEB8}" type="datetimeFigureOut">
               <a:rPr lang="en-IN" smtClean="0"/>
-              <a:t>29-11-2020</a:t>
+              <a:t>07-07-2021</a:t>
             </a:fld>
             <a:endParaRPr lang="en-IN"/>
           </a:p>
@@ -1156,7 +1159,7 @@
           <a:p>
             <a:fld id="{EDEF2418-3E91-4441-86BA-1E23AD1ACEB8}" type="datetimeFigureOut">
               <a:rPr lang="en-IN" smtClean="0"/>
-              <a:t>29-11-2020</a:t>
+              <a:t>07-07-2021</a:t>
             </a:fld>
             <a:endParaRPr lang="en-IN"/>
           </a:p>
@@ -1424,7 +1427,7 @@
           <a:p>
             <a:fld id="{EDEF2418-3E91-4441-86BA-1E23AD1ACEB8}" type="datetimeFigureOut">
               <a:rPr lang="en-IN" smtClean="0"/>
-              <a:t>29-11-2020</a:t>
+              <a:t>07-07-2021</a:t>
             </a:fld>
             <a:endParaRPr lang="en-IN"/>
           </a:p>
@@ -1839,7 +1842,7 @@
           <a:p>
             <a:fld id="{EDEF2418-3E91-4441-86BA-1E23AD1ACEB8}" type="datetimeFigureOut">
               <a:rPr lang="en-IN" smtClean="0"/>
-              <a:t>29-11-2020</a:t>
+              <a:t>07-07-2021</a:t>
             </a:fld>
             <a:endParaRPr lang="en-IN"/>
           </a:p>
@@ -1981,7 +1984,7 @@
           <a:p>
             <a:fld id="{EDEF2418-3E91-4441-86BA-1E23AD1ACEB8}" type="datetimeFigureOut">
               <a:rPr lang="en-IN" smtClean="0"/>
-              <a:t>29-11-2020</a:t>
+              <a:t>07-07-2021</a:t>
             </a:fld>
             <a:endParaRPr lang="en-IN"/>
           </a:p>
@@ -2094,7 +2097,7 @@
           <a:p>
             <a:fld id="{EDEF2418-3E91-4441-86BA-1E23AD1ACEB8}" type="datetimeFigureOut">
               <a:rPr lang="en-IN" smtClean="0"/>
-              <a:t>29-11-2020</a:t>
+              <a:t>07-07-2021</a:t>
             </a:fld>
             <a:endParaRPr lang="en-IN"/>
           </a:p>
@@ -2407,7 +2410,7 @@
           <a:p>
             <a:fld id="{EDEF2418-3E91-4441-86BA-1E23AD1ACEB8}" type="datetimeFigureOut">
               <a:rPr lang="en-IN" smtClean="0"/>
-              <a:t>29-11-2020</a:t>
+              <a:t>07-07-2021</a:t>
             </a:fld>
             <a:endParaRPr lang="en-IN"/>
           </a:p>
@@ -2696,7 +2699,7 @@
           <a:p>
             <a:fld id="{EDEF2418-3E91-4441-86BA-1E23AD1ACEB8}" type="datetimeFigureOut">
               <a:rPr lang="en-IN" smtClean="0"/>
-              <a:t>29-11-2020</a:t>
+              <a:t>07-07-2021</a:t>
             </a:fld>
             <a:endParaRPr lang="en-IN"/>
           </a:p>
@@ -2939,7 +2942,7 @@
           <a:p>
             <a:fld id="{EDEF2418-3E91-4441-86BA-1E23AD1ACEB8}" type="datetimeFigureOut">
               <a:rPr lang="en-IN" smtClean="0"/>
-              <a:t>29-11-2020</a:t>
+              <a:t>07-07-2021</a:t>
             </a:fld>
             <a:endParaRPr lang="en-IN"/>
           </a:p>
@@ -3465,6 +3468,16 @@
           <a:prstGeom prst="rect">
             <a:avLst/>
           </a:prstGeom>
+          <a:ln>
+            <a:noFill/>
+          </a:ln>
+          <a:effectLst>
+            <a:outerShdw blurRad="292100" dist="139700" dir="2700000" algn="tl" rotWithShape="0">
+              <a:srgbClr val="333333">
+                <a:alpha val="65000"/>
+              </a:srgbClr>
+            </a:outerShdw>
+          </a:effectLst>
         </p:spPr>
       </p:pic>
       <p:sp>
@@ -3694,7 +3707,7 @@
           <p:cNvPr id="2" name="Title 1">
             <a:extLst>
               <a:ext uri="{FF2B5EF4-FFF2-40B4-BE49-F238E27FC236}">
-                <a16:creationId xmlns:a16="http://schemas.microsoft.com/office/drawing/2014/main" id="{4BE43A39-25EA-4AB7-B134-58DE8AF1F8C5}"/>
+                <a16:creationId xmlns:a16="http://schemas.microsoft.com/office/drawing/2014/main" id="{27E8CD97-DF34-421D-BC1D-529902A29123}"/>
               </a:ext>
             </a:extLst>
           </p:cNvPr>
@@ -3705,14 +3718,21 @@
             <p:ph type="title"/>
           </p:nvPr>
         </p:nvSpPr>
-        <p:spPr/>
-        <p:txBody>
-          <a:bodyPr/>
+        <p:spPr>
+          <a:xfrm>
+            <a:off x="838200" y="365126"/>
+            <a:ext cx="10515600" cy="478254"/>
+          </a:xfrm>
+        </p:spPr>
+        <p:txBody>
+          <a:bodyPr>
+            <a:normAutofit fontScale="90000"/>
+          </a:bodyPr>
           <a:lstStyle/>
           <a:p>
             <a:r>
               <a:rPr lang="en-US" dirty="0"/>
-              <a:t>Example:</a:t>
+              <a:t>Example – Assignment Operator</a:t>
             </a:r>
             <a:endParaRPr lang="en-IN" dirty="0"/>
           </a:p>
@@ -3720,10 +3740,297 @@
       </p:sp>
       <p:sp>
         <p:nvSpPr>
-          <p:cNvPr id="3" name="Content Placeholder 2">
-            <a:extLst>
-              <a:ext uri="{FF2B5EF4-FFF2-40B4-BE49-F238E27FC236}">
-                <a16:creationId xmlns:a16="http://schemas.microsoft.com/office/drawing/2014/main" id="{C69ECA81-DA4F-4371-BAF1-D581F012D663}"/>
+          <p:cNvPr id="6" name="TextBox 5">
+            <a:extLst>
+              <a:ext uri="{FF2B5EF4-FFF2-40B4-BE49-F238E27FC236}">
+                <a16:creationId xmlns:a16="http://schemas.microsoft.com/office/drawing/2014/main" id="{5896A034-0F3A-46A6-97B6-A02AED6CFB7C}"/>
+              </a:ext>
+            </a:extLst>
+          </p:cNvPr>
+          <p:cNvSpPr txBox="1"/>
+          <p:nvPr/>
+        </p:nvSpPr>
+        <p:spPr>
+          <a:xfrm>
+            <a:off x="952130" y="1145970"/>
+            <a:ext cx="3903955" cy="4819823"/>
+          </a:xfrm>
+          <a:prstGeom prst="rect">
+            <a:avLst/>
+          </a:prstGeom>
+          <a:noFill/>
+        </p:spPr>
+        <p:txBody>
+          <a:bodyPr wrap="square">
+            <a:spAutoFit/>
+          </a:bodyPr>
+          <a:lstStyle/>
+          <a:p>
+            <a:r>
+              <a:rPr lang="en-IN" dirty="0"/>
+              <a:t># Why Python Is Great:</a:t>
+            </a:r>
+          </a:p>
+          <a:p>
+            <a:r>
+              <a:rPr lang="en-IN" dirty="0"/>
+              <a:t># In-place value swapping</a:t>
+            </a:r>
+          </a:p>
+          <a:p>
+            <a:endParaRPr lang="en-IN" dirty="0"/>
+          </a:p>
+          <a:p>
+            <a:r>
+              <a:rPr lang="en-IN" dirty="0"/>
+              <a:t># Let's say we want to swap</a:t>
+            </a:r>
+          </a:p>
+          <a:p>
+            <a:r>
+              <a:rPr lang="en-IN" dirty="0"/>
+              <a:t># the values of a and b...</a:t>
+            </a:r>
+          </a:p>
+          <a:p>
+            <a:r>
+              <a:rPr lang="en-IN" dirty="0"/>
+              <a:t>a = 23</a:t>
+            </a:r>
+          </a:p>
+          <a:p>
+            <a:r>
+              <a:rPr lang="en-IN" dirty="0"/>
+              <a:t>b = 42</a:t>
+            </a:r>
+          </a:p>
+          <a:p>
+            <a:endParaRPr lang="en-IN" dirty="0"/>
+          </a:p>
+          <a:p>
+            <a:r>
+              <a:rPr lang="en-IN" dirty="0"/>
+              <a:t># The "classic" way to do it</a:t>
+            </a:r>
+          </a:p>
+          <a:p>
+            <a:r>
+              <a:rPr lang="en-IN" dirty="0"/>
+              <a:t># with a temporary variable:</a:t>
+            </a:r>
+          </a:p>
+          <a:p>
+            <a:r>
+              <a:rPr lang="en-IN" dirty="0" err="1"/>
+              <a:t>tmp</a:t>
+            </a:r>
+            <a:r>
+              <a:rPr lang="en-IN" dirty="0"/>
+              <a:t> = a</a:t>
+            </a:r>
+          </a:p>
+          <a:p>
+            <a:r>
+              <a:rPr lang="en-IN" dirty="0"/>
+              <a:t>a = b</a:t>
+            </a:r>
+          </a:p>
+          <a:p>
+            <a:r>
+              <a:rPr lang="en-IN" dirty="0"/>
+              <a:t>b = </a:t>
+            </a:r>
+            <a:r>
+              <a:rPr lang="en-IN" dirty="0" err="1"/>
+              <a:t>tmp</a:t>
+            </a:r>
+            <a:endParaRPr lang="en-IN" dirty="0"/>
+          </a:p>
+          <a:p>
+            <a:endParaRPr lang="en-IN" dirty="0"/>
+          </a:p>
+          <a:p>
+            <a:r>
+              <a:rPr lang="en-IN" dirty="0"/>
+              <a:t># Python also lets us</a:t>
+            </a:r>
+          </a:p>
+          <a:p>
+            <a:r>
+              <a:rPr lang="en-IN" dirty="0"/>
+              <a:t># use this short-hand:</a:t>
+            </a:r>
+          </a:p>
+          <a:p>
+            <a:r>
+              <a:rPr lang="en-IN" dirty="0"/>
+              <a:t>a, b = b, a</a:t>
+            </a:r>
+          </a:p>
+        </p:txBody>
+      </p:sp>
+      <p:sp>
+        <p:nvSpPr>
+          <p:cNvPr id="3" name="TextBox 2">
+            <a:extLst>
+              <a:ext uri="{FF2B5EF4-FFF2-40B4-BE49-F238E27FC236}">
+                <a16:creationId xmlns:a16="http://schemas.microsoft.com/office/drawing/2014/main" id="{09A3616C-472D-404B-B8D0-D1F0C40BC16E}"/>
+              </a:ext>
+            </a:extLst>
+          </p:cNvPr>
+          <p:cNvSpPr txBox="1"/>
+          <p:nvPr/>
+        </p:nvSpPr>
+        <p:spPr>
+          <a:xfrm>
+            <a:off x="5885896" y="1145970"/>
+            <a:ext cx="1160382" cy="2862322"/>
+          </a:xfrm>
+          <a:prstGeom prst="rect">
+            <a:avLst/>
+          </a:prstGeom>
+          <a:noFill/>
+        </p:spPr>
+        <p:txBody>
+          <a:bodyPr wrap="none" rtlCol="0">
+            <a:spAutoFit/>
+          </a:bodyPr>
+          <a:lstStyle/>
+          <a:p>
+            <a:r>
+              <a:rPr lang="en-US" dirty="0"/>
+              <a:t> &gt;&gt;x=5</a:t>
+            </a:r>
+          </a:p>
+          <a:p>
+            <a:r>
+              <a:rPr lang="en-US" dirty="0"/>
+              <a:t> &gt;&gt;print(x)</a:t>
+            </a:r>
+          </a:p>
+          <a:p>
+            <a:r>
+              <a:rPr lang="en-US" dirty="0"/>
+              <a:t>&gt;&gt;x+=7</a:t>
+            </a:r>
+          </a:p>
+          <a:p>
+            <a:r>
+              <a:rPr lang="en-US" dirty="0"/>
+              <a:t>&gt;&gt;print(x)</a:t>
+            </a:r>
+          </a:p>
+          <a:p>
+            <a:r>
+              <a:rPr lang="en-US" dirty="0"/>
+              <a:t>&gt;&gt;x/=7</a:t>
+            </a:r>
+          </a:p>
+          <a:p>
+            <a:r>
+              <a:rPr lang="en-US" dirty="0"/>
+              <a:t>&gt;&gt;print(x)</a:t>
+            </a:r>
+          </a:p>
+          <a:p>
+            <a:r>
+              <a:rPr lang="en-US" dirty="0"/>
+              <a:t>&gt;&gt;x*=7</a:t>
+            </a:r>
+          </a:p>
+          <a:p>
+            <a:r>
+              <a:rPr lang="en-US" dirty="0"/>
+              <a:t>&gt;&gt;print(x)</a:t>
+            </a:r>
+          </a:p>
+          <a:p>
+            <a:r>
+              <a:rPr lang="en-US" dirty="0"/>
+              <a:t>&gt;&gt;x-=7</a:t>
+            </a:r>
+          </a:p>
+          <a:p>
+            <a:r>
+              <a:rPr lang="en-US" dirty="0"/>
+              <a:t>&gt;&gt;print(x)</a:t>
+            </a:r>
+            <a:endParaRPr lang="en-IN" dirty="0"/>
+          </a:p>
+        </p:txBody>
+      </p:sp>
+      <p:cxnSp>
+        <p:nvCxnSpPr>
+          <p:cNvPr id="5" name="Straight Connector 4">
+            <a:extLst>
+              <a:ext uri="{FF2B5EF4-FFF2-40B4-BE49-F238E27FC236}">
+                <a16:creationId xmlns:a16="http://schemas.microsoft.com/office/drawing/2014/main" id="{0EBAC077-E6B1-42F7-828C-6AD08F70C4DE}"/>
+              </a:ext>
+            </a:extLst>
+          </p:cNvPr>
+          <p:cNvCxnSpPr/>
+          <p:nvPr/>
+        </p:nvCxnSpPr>
+        <p:spPr>
+          <a:xfrm>
+            <a:off x="5370990" y="843380"/>
+            <a:ext cx="0" cy="5948037"/>
+          </a:xfrm>
+          <a:prstGeom prst="line">
+            <a:avLst/>
+          </a:prstGeom>
+        </p:spPr>
+        <p:style>
+          <a:lnRef idx="1">
+            <a:schemeClr val="dk1"/>
+          </a:lnRef>
+          <a:fillRef idx="0">
+            <a:schemeClr val="dk1"/>
+          </a:fillRef>
+          <a:effectRef idx="0">
+            <a:schemeClr val="dk1"/>
+          </a:effectRef>
+          <a:fontRef idx="minor">
+            <a:schemeClr val="tx1"/>
+          </a:fontRef>
+        </p:style>
+      </p:cxnSp>
+    </p:spTree>
+    <p:extLst>
+      <p:ext uri="{BB962C8B-B14F-4D97-AF65-F5344CB8AC3E}">
+        <p14:creationId xmlns:p14="http://schemas.microsoft.com/office/powerpoint/2010/main" val="49410729"/>
+      </p:ext>
+    </p:extLst>
+  </p:cSld>
+  <p:clrMapOvr>
+    <a:masterClrMapping/>
+  </p:clrMapOvr>
+</p:sld>
+</file>
+
+<file path=ppt/slides/slide11.xml><?xml version="1.0" encoding="utf-8"?>
+<p:sld xmlns:a="http://schemas.openxmlformats.org/drawingml/2006/main" xmlns:r="http://schemas.openxmlformats.org/officeDocument/2006/relationships" xmlns:p="http://schemas.openxmlformats.org/presentationml/2006/main">
+  <p:cSld>
+    <p:spTree>
+      <p:nvGrpSpPr>
+        <p:cNvPr id="1" name=""/>
+        <p:cNvGrpSpPr/>
+        <p:nvPr/>
+      </p:nvGrpSpPr>
+      <p:grpSpPr>
+        <a:xfrm>
+          <a:off x="0" y="0"/>
+          <a:ext cx="0" cy="0"/>
+          <a:chOff x="0" y="0"/>
+          <a:chExt cx="0" cy="0"/>
+        </a:xfrm>
+      </p:grpSpPr>
+      <p:sp>
+        <p:nvSpPr>
+          <p:cNvPr id="2" name="Title 1">
+            <a:extLst>
+              <a:ext uri="{FF2B5EF4-FFF2-40B4-BE49-F238E27FC236}">
+                <a16:creationId xmlns:a16="http://schemas.microsoft.com/office/drawing/2014/main" id="{2CC763E8-096C-4E05-92C2-48446F5B0AC5}"/>
               </a:ext>
             </a:extLst>
           </p:cNvPr>
@@ -3731,130 +4038,106 @@
             <a:spLocks noGrp="1"/>
           </p:cNvSpPr>
           <p:nvPr>
-            <p:ph idx="1"/>
-          </p:nvPr>
-        </p:nvSpPr>
-        <p:spPr>
-          <a:xfrm>
-            <a:off x="838199" y="1553592"/>
-            <a:ext cx="10764915" cy="4939283"/>
+            <p:ph type="title"/>
+          </p:nvPr>
+        </p:nvSpPr>
+        <p:spPr>
+          <a:xfrm>
+            <a:off x="838200" y="942174"/>
+            <a:ext cx="10515600" cy="433865"/>
           </a:xfrm>
         </p:spPr>
         <p:txBody>
           <a:bodyPr>
-            <a:normAutofit fontScale="85000" lnSpcReduction="20000"/>
+            <a:normAutofit fontScale="90000"/>
           </a:bodyPr>
           <a:lstStyle/>
           <a:p>
-            <a:pPr marL="0" indent="0">
-              <a:buNone/>
-            </a:pPr>
             <a:r>
               <a:rPr lang="en-US" dirty="0"/>
-              <a:t>#</a:t>
+              <a:t>Identity Operator( is </a:t>
+            </a:r>
+            <a:r>
+              <a:rPr lang="en-US"/>
+              <a:t>and is not)</a:t>
+            </a:r>
+            <a:endParaRPr lang="en-IN" dirty="0"/>
+          </a:p>
+        </p:txBody>
+      </p:sp>
+      <p:sp>
+        <p:nvSpPr>
+          <p:cNvPr id="4" name="TextBox 3">
+            <a:extLst>
+              <a:ext uri="{FF2B5EF4-FFF2-40B4-BE49-F238E27FC236}">
+                <a16:creationId xmlns:a16="http://schemas.microsoft.com/office/drawing/2014/main" id="{42697B0C-1AE4-45D3-A623-82E564A4B70C}"/>
+              </a:ext>
+            </a:extLst>
+          </p:cNvPr>
+          <p:cNvSpPr txBox="1"/>
+          <p:nvPr/>
+        </p:nvSpPr>
+        <p:spPr>
+          <a:xfrm>
+            <a:off x="1038688" y="2077375"/>
+            <a:ext cx="1862498" cy="1200329"/>
+          </a:xfrm>
+          <a:prstGeom prst="rect">
+            <a:avLst/>
+          </a:prstGeom>
+          <a:noFill/>
+        </p:spPr>
+        <p:txBody>
+          <a:bodyPr wrap="none" rtlCol="0">
+            <a:spAutoFit/>
+          </a:bodyPr>
+          <a:lstStyle/>
+          <a:p>
+            <a:r>
+              <a:rPr lang="en-US" dirty="0"/>
+              <a:t>&gt;&gt;a=</a:t>
             </a:r>
             <a:r>
               <a:rPr lang="en-US" b="1" dirty="0"/>
-              <a:t>Logical Operators</a:t>
-            </a:r>
-          </a:p>
-          <a:p>
-            <a:pPr marL="0" indent="0">
-              <a:buNone/>
-            </a:pPr>
+              <a:t>True</a:t>
+            </a:r>
+          </a:p>
+          <a:p>
             <a:r>
               <a:rPr lang="en-US" dirty="0"/>
-              <a:t># &amp;,|</a:t>
-            </a:r>
-          </a:p>
-          <a:p>
-            <a:pPr marL="0" indent="0">
-              <a:buNone/>
-            </a:pPr>
+              <a:t>&gt;&gt;b=</a:t>
+            </a:r>
+            <a:r>
+              <a:rPr lang="en-US" b="1" dirty="0"/>
+              <a:t>False</a:t>
+            </a:r>
+          </a:p>
+          <a:p>
             <a:r>
               <a:rPr lang="en-US" dirty="0"/>
-              <a:t>  a=True</a:t>
-            </a:r>
-          </a:p>
-          <a:p>
-            <a:pPr marL="0" indent="0">
-              <a:buNone/>
-            </a:pPr>
+              <a:t>&gt;&gt;print(a </a:t>
+            </a:r>
+            <a:r>
+              <a:rPr lang="en-US" b="1" dirty="0"/>
+              <a:t>is not </a:t>
+            </a:r>
             <a:r>
               <a:rPr lang="en-US" dirty="0"/>
-              <a:t>  b=False</a:t>
-            </a:r>
-          </a:p>
-          <a:p>
-            <a:pPr marL="0" indent="0">
-              <a:buNone/>
-            </a:pPr>
+              <a:t>b)</a:t>
+            </a:r>
+          </a:p>
+          <a:p>
             <a:r>
               <a:rPr lang="en-US" dirty="0"/>
-              <a:t>  print(a &amp; a) #true</a:t>
-            </a:r>
-          </a:p>
-          <a:p>
-            <a:pPr marL="0" indent="0">
-              <a:buNone/>
-            </a:pPr>
+              <a:t>&gt;&gt;print( a </a:t>
+            </a:r>
+            <a:r>
+              <a:rPr lang="en-US" b="1" dirty="0"/>
+              <a:t>is</a:t>
+            </a:r>
             <a:r>
               <a:rPr lang="en-US" dirty="0"/>
-              <a:t> print(a &amp; b) #false</a:t>
-            </a:r>
-          </a:p>
-          <a:p>
-            <a:pPr marL="0" indent="0">
-              <a:buNone/>
-            </a:pPr>
-            <a:r>
-              <a:rPr lang="en-US" dirty="0"/>
-              <a:t> print(b &amp; a) #false</a:t>
-            </a:r>
-          </a:p>
-          <a:p>
-            <a:pPr marL="0" indent="0">
-              <a:buNone/>
-            </a:pPr>
-            <a:r>
-              <a:rPr lang="en-US" dirty="0"/>
-              <a:t> print(b &amp; b) #false</a:t>
-            </a:r>
-          </a:p>
-          <a:p>
-            <a:pPr marL="0" indent="0">
-              <a:buNone/>
-            </a:pPr>
-            <a:r>
-              <a:rPr lang="en-US" dirty="0"/>
-              <a:t> print(a | b) #True</a:t>
-            </a:r>
-          </a:p>
-          <a:p>
-            <a:pPr marL="0" indent="0">
-              <a:buNone/>
-            </a:pPr>
-            <a:r>
-              <a:rPr lang="en-US" dirty="0"/>
-              <a:t> print(b | a) #True</a:t>
-            </a:r>
-          </a:p>
-          <a:p>
-            <a:pPr marL="0" indent="0">
-              <a:buNone/>
-            </a:pPr>
-            <a:r>
-              <a:rPr lang="en-US" dirty="0"/>
-              <a:t> print(a | a) # true</a:t>
-            </a:r>
-          </a:p>
-          <a:p>
-            <a:pPr marL="0" indent="0">
-              <a:buNone/>
-            </a:pPr>
-            <a:r>
-              <a:rPr lang="en-US" dirty="0"/>
-              <a:t> print(b | b) # False</a:t>
+              <a:t> b)</a:t>
             </a:r>
             <a:endParaRPr lang="en-IN" dirty="0"/>
           </a:p>
@@ -3863,7 +4146,389 @@
     </p:spTree>
     <p:extLst>
       <p:ext uri="{BB962C8B-B14F-4D97-AF65-F5344CB8AC3E}">
-        <p14:creationId xmlns:p14="http://schemas.microsoft.com/office/powerpoint/2010/main" val="878453035"/>
+        <p14:creationId xmlns:p14="http://schemas.microsoft.com/office/powerpoint/2010/main" val="687708079"/>
+      </p:ext>
+    </p:extLst>
+  </p:cSld>
+  <p:clrMapOvr>
+    <a:masterClrMapping/>
+  </p:clrMapOvr>
+</p:sld>
+</file>
+
+<file path=ppt/slides/slide12.xml><?xml version="1.0" encoding="utf-8"?>
+<p:sld xmlns:a="http://schemas.openxmlformats.org/drawingml/2006/main" xmlns:r="http://schemas.openxmlformats.org/officeDocument/2006/relationships" xmlns:p="http://schemas.openxmlformats.org/presentationml/2006/main">
+  <p:cSld>
+    <p:spTree>
+      <p:nvGrpSpPr>
+        <p:cNvPr id="1" name=""/>
+        <p:cNvGrpSpPr/>
+        <p:nvPr/>
+      </p:nvGrpSpPr>
+      <p:grpSpPr>
+        <a:xfrm>
+          <a:off x="0" y="0"/>
+          <a:ext cx="0" cy="0"/>
+          <a:chOff x="0" y="0"/>
+          <a:chExt cx="0" cy="0"/>
+        </a:xfrm>
+      </p:grpSpPr>
+      <p:sp>
+        <p:nvSpPr>
+          <p:cNvPr id="2" name="Title 1">
+            <a:extLst>
+              <a:ext uri="{FF2B5EF4-FFF2-40B4-BE49-F238E27FC236}">
+                <a16:creationId xmlns:a16="http://schemas.microsoft.com/office/drawing/2014/main" id="{5397F54C-1B62-42F8-A746-FC137CBD321B}"/>
+              </a:ext>
+            </a:extLst>
+          </p:cNvPr>
+          <p:cNvSpPr>
+            <a:spLocks noGrp="1"/>
+          </p:cNvSpPr>
+          <p:nvPr>
+            <p:ph type="title"/>
+          </p:nvPr>
+        </p:nvSpPr>
+        <p:spPr>
+          <a:xfrm>
+            <a:off x="838200" y="365126"/>
+            <a:ext cx="10515600" cy="567030"/>
+          </a:xfrm>
+        </p:spPr>
+        <p:txBody>
+          <a:bodyPr>
+            <a:normAutofit fontScale="90000"/>
+          </a:bodyPr>
+          <a:lstStyle/>
+          <a:p>
+            <a:r>
+              <a:rPr lang="en-US" dirty="0"/>
+              <a:t>Membership Operators( in and not in)</a:t>
+            </a:r>
+            <a:endParaRPr lang="en-IN" dirty="0"/>
+          </a:p>
+        </p:txBody>
+      </p:sp>
+      <p:sp>
+        <p:nvSpPr>
+          <p:cNvPr id="3" name="Content Placeholder 2">
+            <a:extLst>
+              <a:ext uri="{FF2B5EF4-FFF2-40B4-BE49-F238E27FC236}">
+                <a16:creationId xmlns:a16="http://schemas.microsoft.com/office/drawing/2014/main" id="{F56B0E35-C7E8-4DC6-B2E1-9F67AE48B4D6}"/>
+              </a:ext>
+            </a:extLst>
+          </p:cNvPr>
+          <p:cNvSpPr>
+            <a:spLocks noGrp="1"/>
+          </p:cNvSpPr>
+          <p:nvPr>
+            <p:ph idx="1"/>
+          </p:nvPr>
+        </p:nvSpPr>
+        <p:spPr/>
+        <p:txBody>
+          <a:bodyPr>
+            <a:normAutofit/>
+          </a:bodyPr>
+          <a:lstStyle/>
+          <a:p>
+            <a:pPr marL="0" indent="0">
+              <a:buNone/>
+            </a:pPr>
+            <a:r>
+              <a:rPr lang="en-US" sz="2000" dirty="0"/>
+              <a:t>&gt;&gt;list=[3,3,2,2,39,33,35,32]</a:t>
+            </a:r>
+          </a:p>
+          <a:p>
+            <a:pPr marL="0" indent="0">
+              <a:buNone/>
+            </a:pPr>
+            <a:r>
+              <a:rPr lang="en-US" sz="2000" dirty="0"/>
+              <a:t>&gt;&gt;print(324 </a:t>
+            </a:r>
+            <a:r>
+              <a:rPr lang="en-US" sz="2000" b="1" dirty="0"/>
+              <a:t>not in </a:t>
+            </a:r>
+            <a:r>
+              <a:rPr lang="en-US" sz="2000" dirty="0"/>
+              <a:t>list)</a:t>
+            </a:r>
+          </a:p>
+          <a:p>
+            <a:pPr marL="0" indent="0">
+              <a:buNone/>
+            </a:pPr>
+            <a:r>
+              <a:rPr lang="en-US" sz="2000" dirty="0"/>
+              <a:t>&gt;&gt;print(3 </a:t>
+            </a:r>
+            <a:r>
+              <a:rPr lang="en-US" sz="2000" b="1" dirty="0"/>
+              <a:t>in</a:t>
+            </a:r>
+            <a:r>
+              <a:rPr lang="en-US" sz="2000" dirty="0"/>
+              <a:t> list)</a:t>
+            </a:r>
+            <a:endParaRPr lang="en-IN" sz="2000" dirty="0"/>
+          </a:p>
+        </p:txBody>
+      </p:sp>
+    </p:spTree>
+    <p:extLst>
+      <p:ext uri="{BB962C8B-B14F-4D97-AF65-F5344CB8AC3E}">
+        <p14:creationId xmlns:p14="http://schemas.microsoft.com/office/powerpoint/2010/main" val="3739901670"/>
+      </p:ext>
+    </p:extLst>
+  </p:cSld>
+  <p:clrMapOvr>
+    <a:masterClrMapping/>
+  </p:clrMapOvr>
+</p:sld>
+</file>
+
+<file path=ppt/slides/slide13.xml><?xml version="1.0" encoding="utf-8"?>
+<p:sld xmlns:a="http://schemas.openxmlformats.org/drawingml/2006/main" xmlns:r="http://schemas.openxmlformats.org/officeDocument/2006/relationships" xmlns:p="http://schemas.openxmlformats.org/presentationml/2006/main">
+  <p:cSld>
+    <p:spTree>
+      <p:nvGrpSpPr>
+        <p:cNvPr id="1" name=""/>
+        <p:cNvGrpSpPr/>
+        <p:nvPr/>
+      </p:nvGrpSpPr>
+      <p:grpSpPr>
+        <a:xfrm>
+          <a:off x="0" y="0"/>
+          <a:ext cx="0" cy="0"/>
+          <a:chOff x="0" y="0"/>
+          <a:chExt cx="0" cy="0"/>
+        </a:xfrm>
+      </p:grpSpPr>
+      <p:sp>
+        <p:nvSpPr>
+          <p:cNvPr id="2" name="Title 1">
+            <a:extLst>
+              <a:ext uri="{FF2B5EF4-FFF2-40B4-BE49-F238E27FC236}">
+                <a16:creationId xmlns:a16="http://schemas.microsoft.com/office/drawing/2014/main" id="{832918AA-6597-4607-80E2-97C30E933F94}"/>
+              </a:ext>
+            </a:extLst>
+          </p:cNvPr>
+          <p:cNvSpPr>
+            <a:spLocks noGrp="1"/>
+          </p:cNvSpPr>
+          <p:nvPr>
+            <p:ph type="title"/>
+          </p:nvPr>
+        </p:nvSpPr>
+        <p:spPr>
+          <a:xfrm>
+            <a:off x="838200" y="365125"/>
+            <a:ext cx="10515600" cy="593663"/>
+          </a:xfrm>
+        </p:spPr>
+        <p:txBody>
+          <a:bodyPr>
+            <a:normAutofit fontScale="90000"/>
+          </a:bodyPr>
+          <a:lstStyle/>
+          <a:p>
+            <a:r>
+              <a:rPr lang="en-US" dirty="0"/>
+              <a:t>Bitwise Operators ( &amp; and |)</a:t>
+            </a:r>
+            <a:endParaRPr lang="en-IN" dirty="0"/>
+          </a:p>
+        </p:txBody>
+      </p:sp>
+      <p:sp>
+        <p:nvSpPr>
+          <p:cNvPr id="3" name="Content Placeholder 2">
+            <a:extLst>
+              <a:ext uri="{FF2B5EF4-FFF2-40B4-BE49-F238E27FC236}">
+                <a16:creationId xmlns:a16="http://schemas.microsoft.com/office/drawing/2014/main" id="{415E8476-E889-442F-9597-BB8708847C91}"/>
+              </a:ext>
+            </a:extLst>
+          </p:cNvPr>
+          <p:cNvSpPr>
+            <a:spLocks noGrp="1"/>
+          </p:cNvSpPr>
+          <p:nvPr>
+            <p:ph idx="1"/>
+          </p:nvPr>
+        </p:nvSpPr>
+        <p:spPr>
+          <a:xfrm>
+            <a:off x="838200" y="1825625"/>
+            <a:ext cx="2863788" cy="4351338"/>
+          </a:xfrm>
+        </p:spPr>
+        <p:txBody>
+          <a:bodyPr>
+            <a:normAutofit/>
+          </a:bodyPr>
+          <a:lstStyle/>
+          <a:p>
+            <a:pPr marL="0" indent="0">
+              <a:buNone/>
+            </a:pPr>
+            <a:r>
+              <a:rPr lang="en-US" sz="2000" dirty="0"/>
+              <a:t>&gt;&gt;print(0 &amp; 1)</a:t>
+            </a:r>
+          </a:p>
+          <a:p>
+            <a:pPr marL="0" indent="0">
+              <a:buNone/>
+            </a:pPr>
+            <a:r>
+              <a:rPr lang="en-US" sz="2000" dirty="0"/>
+              <a:t>&gt;&gt;print(0 | 1)</a:t>
+            </a:r>
+          </a:p>
+          <a:p>
+            <a:pPr marL="0" indent="0">
+              <a:buNone/>
+            </a:pPr>
+            <a:r>
+              <a:rPr lang="en-US" sz="2000" dirty="0"/>
+              <a:t>&gt;&gt;print(0 | 3)   # 3</a:t>
+            </a:r>
+          </a:p>
+          <a:p>
+            <a:pPr marL="0" indent="0">
+              <a:buNone/>
+            </a:pPr>
+            <a:r>
+              <a:rPr lang="en-US" sz="2000" dirty="0"/>
+              <a:t>&gt;&gt;print(0 &amp; 2)   # 0 </a:t>
+            </a:r>
+            <a:endParaRPr lang="en-IN" sz="2000" dirty="0"/>
+          </a:p>
+        </p:txBody>
+      </p:sp>
+      <p:sp>
+        <p:nvSpPr>
+          <p:cNvPr id="4" name="TextBox 3">
+            <a:extLst>
+              <a:ext uri="{FF2B5EF4-FFF2-40B4-BE49-F238E27FC236}">
+                <a16:creationId xmlns:a16="http://schemas.microsoft.com/office/drawing/2014/main" id="{AFD3C900-2C7F-4755-A1AC-ACEB79F3E0D4}"/>
+              </a:ext>
+            </a:extLst>
+          </p:cNvPr>
+          <p:cNvSpPr txBox="1"/>
+          <p:nvPr/>
+        </p:nvSpPr>
+        <p:spPr>
+          <a:xfrm>
+            <a:off x="4456590" y="1846555"/>
+            <a:ext cx="1218603" cy="1200329"/>
+          </a:xfrm>
+          <a:prstGeom prst="rect">
+            <a:avLst/>
+          </a:prstGeom>
+          <a:noFill/>
+        </p:spPr>
+        <p:txBody>
+          <a:bodyPr wrap="none" rtlCol="0">
+            <a:spAutoFit/>
+          </a:bodyPr>
+          <a:lstStyle/>
+          <a:p>
+            <a:pPr marL="285750" indent="-285750">
+              <a:buFont typeface="Wingdings" panose="05000000000000000000" pitchFamily="2" charset="2"/>
+              <a:buChar char="§"/>
+            </a:pPr>
+            <a:r>
+              <a:rPr lang="en-US" dirty="0"/>
+              <a:t>0 – 00</a:t>
+            </a:r>
+          </a:p>
+          <a:p>
+            <a:pPr marL="285750" indent="-285750">
+              <a:buFont typeface="Wingdings" panose="05000000000000000000" pitchFamily="2" charset="2"/>
+              <a:buChar char="§"/>
+            </a:pPr>
+            <a:r>
+              <a:rPr lang="en-US" dirty="0"/>
+              <a:t>1 – 01</a:t>
+            </a:r>
+          </a:p>
+          <a:p>
+            <a:pPr marL="285750" indent="-285750">
+              <a:buFont typeface="Wingdings" panose="05000000000000000000" pitchFamily="2" charset="2"/>
+              <a:buChar char="§"/>
+            </a:pPr>
+            <a:r>
+              <a:rPr lang="en-US" dirty="0"/>
+              <a:t>2- 10</a:t>
+            </a:r>
+          </a:p>
+          <a:p>
+            <a:pPr marL="285750" indent="-285750">
+              <a:buFont typeface="Wingdings" panose="05000000000000000000" pitchFamily="2" charset="2"/>
+              <a:buChar char="§"/>
+            </a:pPr>
+            <a:r>
+              <a:rPr lang="en-US" dirty="0"/>
+              <a:t>3 – 11…</a:t>
+            </a:r>
+            <a:endParaRPr lang="en-IN" dirty="0"/>
+          </a:p>
+        </p:txBody>
+      </p:sp>
+      <p:sp>
+        <p:nvSpPr>
+          <p:cNvPr id="5" name="Arrow: Right 4">
+            <a:extLst>
+              <a:ext uri="{FF2B5EF4-FFF2-40B4-BE49-F238E27FC236}">
+                <a16:creationId xmlns:a16="http://schemas.microsoft.com/office/drawing/2014/main" id="{1A97A763-F3D0-41E6-A558-C0177B7E4181}"/>
+              </a:ext>
+            </a:extLst>
+          </p:cNvPr>
+          <p:cNvSpPr/>
+          <p:nvPr/>
+        </p:nvSpPr>
+        <p:spPr>
+          <a:xfrm rot="10800000">
+            <a:off x="3409025" y="2325950"/>
+            <a:ext cx="701336" cy="239697"/>
+          </a:xfrm>
+          <a:prstGeom prst="rightArrow">
+            <a:avLst/>
+          </a:prstGeom>
+        </p:spPr>
+        <p:style>
+          <a:lnRef idx="2">
+            <a:schemeClr val="dk1">
+              <a:shade val="50000"/>
+            </a:schemeClr>
+          </a:lnRef>
+          <a:fillRef idx="1">
+            <a:schemeClr val="dk1"/>
+          </a:fillRef>
+          <a:effectRef idx="0">
+            <a:schemeClr val="dk1"/>
+          </a:effectRef>
+          <a:fontRef idx="minor">
+            <a:schemeClr val="lt1"/>
+          </a:fontRef>
+        </p:style>
+        <p:txBody>
+          <a:bodyPr rtlCol="0" anchor="ctr"/>
+          <a:lstStyle/>
+          <a:p>
+            <a:pPr algn="ctr"/>
+            <a:endParaRPr lang="en-IN"/>
+          </a:p>
+        </p:txBody>
+      </p:sp>
+    </p:spTree>
+    <p:extLst>
+      <p:ext uri="{BB962C8B-B14F-4D97-AF65-F5344CB8AC3E}">
+        <p14:creationId xmlns:p14="http://schemas.microsoft.com/office/powerpoint/2010/main" val="1977892478"/>
       </p:ext>
     </p:extLst>
   </p:cSld>
@@ -3996,7 +4661,7 @@
         </p:nvSpPr>
         <p:spPr>
           <a:xfrm>
-            <a:off x="2601157" y="1979720"/>
+            <a:off x="2220897" y="2365898"/>
             <a:ext cx="1651247" cy="550416"/>
           </a:xfrm>
           <a:prstGeom prst="rect">
@@ -4061,7 +4726,7 @@
         </p:nvSpPr>
         <p:spPr>
           <a:xfrm>
-            <a:off x="2673658" y="5659515"/>
+            <a:off x="2220897" y="5113122"/>
             <a:ext cx="1651247" cy="550416"/>
           </a:xfrm>
           <a:prstGeom prst="rect">
@@ -5484,7 +6149,7 @@
           <p:cNvPr id="2" name="Title 1">
             <a:extLst>
               <a:ext uri="{FF2B5EF4-FFF2-40B4-BE49-F238E27FC236}">
-                <a16:creationId xmlns:a16="http://schemas.microsoft.com/office/drawing/2014/main" id="{F4964514-6E50-4E43-A5C4-196FD8048209}"/>
+                <a16:creationId xmlns:a16="http://schemas.microsoft.com/office/drawing/2014/main" id="{609F8479-3049-4A49-B554-1D54BF0E3B26}"/>
               </a:ext>
             </a:extLst>
           </p:cNvPr>
@@ -5497,8 +6162,8 @@
         </p:nvSpPr>
         <p:spPr>
           <a:xfrm>
-            <a:off x="838200" y="365125"/>
-            <a:ext cx="10515600" cy="558153"/>
+            <a:off x="838199" y="365126"/>
+            <a:ext cx="9321549" cy="639192"/>
           </a:xfrm>
         </p:spPr>
         <p:txBody>
@@ -5508,628 +6173,8 @@
           <a:lstStyle/>
           <a:p>
             <a:r>
-              <a:rPr lang="en-US" dirty="0" err="1"/>
-              <a:t>Global,Local</a:t>
-            </a:r>
-            <a:r>
               <a:rPr lang="en-US" dirty="0"/>
-              <a:t> and </a:t>
-            </a:r>
-            <a:r>
-              <a:rPr lang="en-US" dirty="0" err="1"/>
-              <a:t>NonLocal</a:t>
-            </a:r>
-            <a:r>
-              <a:rPr lang="en-US" dirty="0"/>
-              <a:t> Variables in Python</a:t>
-            </a:r>
-            <a:endParaRPr lang="en-IN" dirty="0"/>
-          </a:p>
-        </p:txBody>
-      </p:sp>
-      <p:sp>
-        <p:nvSpPr>
-          <p:cNvPr id="3" name="Content Placeholder 2">
-            <a:extLst>
-              <a:ext uri="{FF2B5EF4-FFF2-40B4-BE49-F238E27FC236}">
-                <a16:creationId xmlns:a16="http://schemas.microsoft.com/office/drawing/2014/main" id="{B1772A64-6A35-44B8-8F23-8C5851608B56}"/>
-              </a:ext>
-            </a:extLst>
-          </p:cNvPr>
-          <p:cNvSpPr>
-            <a:spLocks noGrp="1"/>
-          </p:cNvSpPr>
-          <p:nvPr>
-            <p:ph idx="1"/>
-          </p:nvPr>
-        </p:nvSpPr>
-        <p:spPr>
-          <a:xfrm>
-            <a:off x="838200" y="1825625"/>
-            <a:ext cx="3014709" cy="4351338"/>
-          </a:xfrm>
-        </p:spPr>
-        <p:txBody>
-          <a:bodyPr>
-            <a:normAutofit/>
-          </a:bodyPr>
-          <a:lstStyle/>
-          <a:p>
-            <a:r>
-              <a:rPr lang="en-US" sz="2400" dirty="0"/>
-              <a:t>Example:</a:t>
-            </a:r>
-          </a:p>
-          <a:p>
-            <a:pPr marL="0" indent="0">
-              <a:buNone/>
-            </a:pPr>
-            <a:r>
-              <a:rPr lang="en-US" sz="2400" dirty="0"/>
-              <a:t> def </a:t>
-            </a:r>
-            <a:r>
-              <a:rPr lang="en-US" sz="2400" dirty="0" err="1"/>
-              <a:t>func</a:t>
-            </a:r>
-            <a:r>
-              <a:rPr lang="en-US" sz="2400" dirty="0"/>
-              <a:t>():</a:t>
-            </a:r>
-          </a:p>
-          <a:p>
-            <a:pPr marL="0" indent="0">
-              <a:buNone/>
-            </a:pPr>
-            <a:r>
-              <a:rPr lang="en-US" sz="2400" dirty="0"/>
-              <a:t>         print(x)</a:t>
-            </a:r>
-          </a:p>
-          <a:p>
-            <a:pPr marL="0" indent="0">
-              <a:buNone/>
-            </a:pPr>
-            <a:endParaRPr lang="en-US" sz="2400" dirty="0"/>
-          </a:p>
-          <a:p>
-            <a:pPr marL="0" indent="0">
-              <a:buNone/>
-            </a:pPr>
-            <a:r>
-              <a:rPr lang="en-US" sz="2400" dirty="0"/>
-              <a:t> x=‘global’</a:t>
-            </a:r>
-          </a:p>
-          <a:p>
-            <a:pPr marL="0" indent="0">
-              <a:buNone/>
-            </a:pPr>
-            <a:r>
-              <a:rPr lang="en-US" sz="2400" dirty="0"/>
-              <a:t>  </a:t>
-            </a:r>
-            <a:r>
-              <a:rPr lang="en-US" sz="2400" dirty="0" err="1"/>
-              <a:t>func</a:t>
-            </a:r>
-            <a:r>
-              <a:rPr lang="en-US" sz="2400" dirty="0"/>
-              <a:t>()</a:t>
-            </a:r>
-          </a:p>
-          <a:p>
-            <a:pPr marL="0" indent="0">
-              <a:buNone/>
-            </a:pPr>
-            <a:r>
-              <a:rPr lang="en-US" sz="2400" dirty="0"/>
-              <a:t>#Output: global</a:t>
-            </a:r>
-            <a:endParaRPr lang="en-IN" sz="2400" dirty="0"/>
-          </a:p>
-        </p:txBody>
-      </p:sp>
-      <p:sp>
-        <p:nvSpPr>
-          <p:cNvPr id="4" name="TextBox 3">
-            <a:extLst>
-              <a:ext uri="{FF2B5EF4-FFF2-40B4-BE49-F238E27FC236}">
-                <a16:creationId xmlns:a16="http://schemas.microsoft.com/office/drawing/2014/main" id="{E6C34E41-4658-4A01-855F-6698F9A2F25A}"/>
-              </a:ext>
-            </a:extLst>
-          </p:cNvPr>
-          <p:cNvSpPr txBox="1"/>
-          <p:nvPr/>
-        </p:nvSpPr>
-        <p:spPr>
-          <a:xfrm>
-            <a:off x="3684233" y="1720840"/>
-            <a:ext cx="2663301" cy="3785652"/>
-          </a:xfrm>
-          <a:prstGeom prst="rect">
-            <a:avLst/>
-          </a:prstGeom>
-          <a:noFill/>
-        </p:spPr>
-        <p:txBody>
-          <a:bodyPr wrap="square" rtlCol="0">
-            <a:spAutoFit/>
-          </a:bodyPr>
-          <a:lstStyle/>
-          <a:p>
-            <a:r>
-              <a:rPr lang="en-US" sz="2400" dirty="0"/>
-              <a:t>#Example:</a:t>
-            </a:r>
-          </a:p>
-          <a:p>
-            <a:r>
-              <a:rPr lang="en-US" sz="2400" dirty="0"/>
-              <a:t> def </a:t>
-            </a:r>
-            <a:r>
-              <a:rPr lang="en-US" sz="2400" dirty="0" err="1"/>
-              <a:t>func</a:t>
-            </a:r>
-            <a:r>
-              <a:rPr lang="en-US" sz="2400" dirty="0"/>
-              <a:t>():</a:t>
-            </a:r>
-          </a:p>
-          <a:p>
-            <a:r>
-              <a:rPr lang="en-US" sz="2400" dirty="0"/>
-              <a:t>    x=‘Local’</a:t>
-            </a:r>
-          </a:p>
-          <a:p>
-            <a:r>
-              <a:rPr lang="en-US" sz="2400" dirty="0"/>
-              <a:t>    print(x)</a:t>
-            </a:r>
-          </a:p>
-          <a:p>
-            <a:endParaRPr lang="en-US" sz="2400" dirty="0"/>
-          </a:p>
-          <a:p>
-            <a:r>
-              <a:rPr lang="en-US" sz="2400" dirty="0"/>
-              <a:t>X=‘global’</a:t>
-            </a:r>
-          </a:p>
-          <a:p>
-            <a:r>
-              <a:rPr lang="en-US" sz="2400" dirty="0"/>
-              <a:t> </a:t>
-            </a:r>
-            <a:r>
-              <a:rPr lang="en-US" sz="2400" dirty="0" err="1"/>
-              <a:t>func</a:t>
-            </a:r>
-            <a:r>
-              <a:rPr lang="en-US" sz="2400" dirty="0"/>
-              <a:t>()</a:t>
-            </a:r>
-          </a:p>
-          <a:p>
-            <a:r>
-              <a:rPr lang="en-US" sz="2400" dirty="0"/>
-              <a:t> print(x)</a:t>
-            </a:r>
-          </a:p>
-          <a:p>
-            <a:r>
-              <a:rPr lang="en-US" sz="2400" dirty="0"/>
-              <a:t>#Output: Local</a:t>
-            </a:r>
-          </a:p>
-          <a:p>
-            <a:r>
-              <a:rPr lang="en-US" sz="2400" dirty="0"/>
-              <a:t>                 global</a:t>
-            </a:r>
-            <a:endParaRPr lang="en-IN" sz="2400" dirty="0"/>
-          </a:p>
-        </p:txBody>
-      </p:sp>
-      <p:sp>
-        <p:nvSpPr>
-          <p:cNvPr id="5" name="TextBox 4">
-            <a:extLst>
-              <a:ext uri="{FF2B5EF4-FFF2-40B4-BE49-F238E27FC236}">
-                <a16:creationId xmlns:a16="http://schemas.microsoft.com/office/drawing/2014/main" id="{9753ABBF-7F4C-4F98-9BBF-1E29DDDCB0E8}"/>
-              </a:ext>
-            </a:extLst>
-          </p:cNvPr>
-          <p:cNvSpPr txBox="1"/>
-          <p:nvPr/>
-        </p:nvSpPr>
-        <p:spPr>
-          <a:xfrm>
-            <a:off x="6831738" y="1720840"/>
-            <a:ext cx="2361829" cy="3785652"/>
-          </a:xfrm>
-          <a:prstGeom prst="rect">
-            <a:avLst/>
-          </a:prstGeom>
-          <a:noFill/>
-        </p:spPr>
-        <p:txBody>
-          <a:bodyPr wrap="square" rtlCol="0">
-            <a:spAutoFit/>
-          </a:bodyPr>
-          <a:lstStyle/>
-          <a:p>
-            <a:r>
-              <a:rPr lang="en-US" sz="2400" dirty="0"/>
-              <a:t>#Example:</a:t>
-            </a:r>
-          </a:p>
-          <a:p>
-            <a:r>
-              <a:rPr lang="en-US" sz="2400" dirty="0"/>
-              <a:t> def </a:t>
-            </a:r>
-            <a:r>
-              <a:rPr lang="en-US" sz="2400" dirty="0" err="1"/>
-              <a:t>func</a:t>
-            </a:r>
-            <a:r>
-              <a:rPr lang="en-US" sz="2400" dirty="0"/>
-              <a:t>():</a:t>
-            </a:r>
-          </a:p>
-          <a:p>
-            <a:r>
-              <a:rPr lang="en-US" sz="2400" dirty="0"/>
-              <a:t>    </a:t>
-            </a:r>
-            <a:r>
-              <a:rPr lang="en-US" sz="2400" b="1" dirty="0"/>
-              <a:t>global</a:t>
-            </a:r>
-            <a:r>
-              <a:rPr lang="en-US" sz="2400" dirty="0"/>
-              <a:t> x</a:t>
-            </a:r>
-          </a:p>
-          <a:p>
-            <a:r>
-              <a:rPr lang="en-US" sz="2400" dirty="0"/>
-              <a:t>     print(x)</a:t>
-            </a:r>
-          </a:p>
-          <a:p>
-            <a:r>
-              <a:rPr lang="en-US" sz="2400" dirty="0"/>
-              <a:t>     x=‘Local’</a:t>
-            </a:r>
-          </a:p>
-          <a:p>
-            <a:r>
-              <a:rPr lang="en-US" sz="2400" dirty="0"/>
-              <a:t>     print(x)</a:t>
-            </a:r>
-          </a:p>
-          <a:p>
-            <a:endParaRPr lang="en-US" sz="2400" dirty="0"/>
-          </a:p>
-          <a:p>
-            <a:r>
-              <a:rPr lang="en-US" sz="2400" dirty="0"/>
-              <a:t>X=‘global’</a:t>
-            </a:r>
-          </a:p>
-          <a:p>
-            <a:r>
-              <a:rPr lang="en-US" sz="2400" dirty="0"/>
-              <a:t> </a:t>
-            </a:r>
-            <a:r>
-              <a:rPr lang="en-US" sz="2400" dirty="0" err="1"/>
-              <a:t>func</a:t>
-            </a:r>
-            <a:r>
-              <a:rPr lang="en-US" sz="2400" dirty="0"/>
-              <a:t>()</a:t>
-            </a:r>
-          </a:p>
-          <a:p>
-            <a:r>
-              <a:rPr lang="en-US" sz="2400" dirty="0"/>
-              <a:t> print(x)</a:t>
-            </a:r>
-            <a:endParaRPr lang="en-IN" sz="2400" dirty="0"/>
-          </a:p>
-        </p:txBody>
-      </p:sp>
-      <p:sp>
-        <p:nvSpPr>
-          <p:cNvPr id="6" name="TextBox 5">
-            <a:extLst>
-              <a:ext uri="{FF2B5EF4-FFF2-40B4-BE49-F238E27FC236}">
-                <a16:creationId xmlns:a16="http://schemas.microsoft.com/office/drawing/2014/main" id="{1A321B42-B5C4-4F80-B3F2-FE7142F04420}"/>
-              </a:ext>
-            </a:extLst>
-          </p:cNvPr>
-          <p:cNvSpPr txBox="1"/>
-          <p:nvPr/>
-        </p:nvSpPr>
-        <p:spPr>
-          <a:xfrm>
-            <a:off x="9178684" y="1825624"/>
-            <a:ext cx="3013316" cy="3416320"/>
-          </a:xfrm>
-          <a:prstGeom prst="rect">
-            <a:avLst/>
-          </a:prstGeom>
-          <a:noFill/>
-        </p:spPr>
-        <p:txBody>
-          <a:bodyPr wrap="square" rtlCol="0">
-            <a:spAutoFit/>
-          </a:bodyPr>
-          <a:lstStyle/>
-          <a:p>
-            <a:r>
-              <a:rPr lang="en-US" dirty="0"/>
-              <a:t>#Example:</a:t>
-            </a:r>
-          </a:p>
-          <a:p>
-            <a:r>
-              <a:rPr lang="en-US" dirty="0"/>
-              <a:t>  def </a:t>
-            </a:r>
-            <a:r>
-              <a:rPr lang="en-US" dirty="0" err="1"/>
-              <a:t>func</a:t>
-            </a:r>
-            <a:r>
-              <a:rPr lang="en-US" dirty="0"/>
-              <a:t>():</a:t>
-            </a:r>
-          </a:p>
-          <a:p>
-            <a:r>
-              <a:rPr lang="en-US" dirty="0"/>
-              <a:t>     x=50</a:t>
-            </a:r>
-          </a:p>
-          <a:p>
-            <a:r>
-              <a:rPr lang="en-US" dirty="0"/>
-              <a:t>     def inner():</a:t>
-            </a:r>
-          </a:p>
-          <a:p>
-            <a:r>
-              <a:rPr lang="en-US" dirty="0"/>
-              <a:t>         </a:t>
-            </a:r>
-            <a:r>
-              <a:rPr lang="en-US" b="1" dirty="0"/>
-              <a:t>nonlocal</a:t>
-            </a:r>
-            <a:r>
-              <a:rPr lang="en-US" dirty="0"/>
-              <a:t> x</a:t>
-            </a:r>
-          </a:p>
-          <a:p>
-            <a:r>
-              <a:rPr lang="en-US" dirty="0"/>
-              <a:t>          x=100</a:t>
-            </a:r>
-          </a:p>
-          <a:p>
-            <a:r>
-              <a:rPr lang="en-US" dirty="0"/>
-              <a:t>       inner() #function calling</a:t>
-            </a:r>
-          </a:p>
-          <a:p>
-            <a:r>
-              <a:rPr lang="en-US" dirty="0"/>
-              <a:t>       print(x)</a:t>
-            </a:r>
-          </a:p>
-          <a:p>
-            <a:endParaRPr lang="en-US" dirty="0"/>
-          </a:p>
-          <a:p>
-            <a:r>
-              <a:rPr lang="en-US" dirty="0"/>
-              <a:t>X=20</a:t>
-            </a:r>
-          </a:p>
-          <a:p>
-            <a:r>
-              <a:rPr lang="en-US" dirty="0" err="1"/>
-              <a:t>Func</a:t>
-            </a:r>
-            <a:r>
-              <a:rPr lang="en-US" dirty="0"/>
-              <a:t>()</a:t>
-            </a:r>
-          </a:p>
-          <a:p>
-            <a:r>
-              <a:rPr lang="en-US" dirty="0"/>
-              <a:t> print(x)</a:t>
-            </a:r>
-            <a:endParaRPr lang="en-IN" dirty="0"/>
-          </a:p>
-        </p:txBody>
-      </p:sp>
-      <p:cxnSp>
-        <p:nvCxnSpPr>
-          <p:cNvPr id="8" name="Straight Connector 7">
-            <a:extLst>
-              <a:ext uri="{FF2B5EF4-FFF2-40B4-BE49-F238E27FC236}">
-                <a16:creationId xmlns:a16="http://schemas.microsoft.com/office/drawing/2014/main" id="{B718A3F8-513F-4230-A048-C7577FB40298}"/>
-              </a:ext>
-            </a:extLst>
-          </p:cNvPr>
-          <p:cNvCxnSpPr/>
-          <p:nvPr/>
-        </p:nvCxnSpPr>
-        <p:spPr>
-          <a:xfrm>
-            <a:off x="3231472" y="1358283"/>
-            <a:ext cx="0" cy="4651900"/>
-          </a:xfrm>
-          <a:prstGeom prst="line">
-            <a:avLst/>
-          </a:prstGeom>
-        </p:spPr>
-        <p:style>
-          <a:lnRef idx="1">
-            <a:schemeClr val="dk1"/>
-          </a:lnRef>
-          <a:fillRef idx="0">
-            <a:schemeClr val="dk1"/>
-          </a:fillRef>
-          <a:effectRef idx="0">
-            <a:schemeClr val="dk1"/>
-          </a:effectRef>
-          <a:fontRef idx="minor">
-            <a:schemeClr val="tx1"/>
-          </a:fontRef>
-        </p:style>
-      </p:cxnSp>
-      <p:cxnSp>
-        <p:nvCxnSpPr>
-          <p:cNvPr id="9" name="Straight Connector 8">
-            <a:extLst>
-              <a:ext uri="{FF2B5EF4-FFF2-40B4-BE49-F238E27FC236}">
-                <a16:creationId xmlns:a16="http://schemas.microsoft.com/office/drawing/2014/main" id="{EB9F31C7-0AB4-46E0-873F-779AFA6FFD10}"/>
-              </a:ext>
-            </a:extLst>
-          </p:cNvPr>
-          <p:cNvCxnSpPr/>
-          <p:nvPr/>
-        </p:nvCxnSpPr>
-        <p:spPr>
-          <a:xfrm>
-            <a:off x="6304625" y="1358283"/>
-            <a:ext cx="0" cy="4651900"/>
-          </a:xfrm>
-          <a:prstGeom prst="line">
-            <a:avLst/>
-          </a:prstGeom>
-        </p:spPr>
-        <p:style>
-          <a:lnRef idx="1">
-            <a:schemeClr val="dk1"/>
-          </a:lnRef>
-          <a:fillRef idx="0">
-            <a:schemeClr val="dk1"/>
-          </a:fillRef>
-          <a:effectRef idx="0">
-            <a:schemeClr val="dk1"/>
-          </a:effectRef>
-          <a:fontRef idx="minor">
-            <a:schemeClr val="tx1"/>
-          </a:fontRef>
-        </p:style>
-      </p:cxnSp>
-      <p:cxnSp>
-        <p:nvCxnSpPr>
-          <p:cNvPr id="10" name="Straight Connector 9">
-            <a:extLst>
-              <a:ext uri="{FF2B5EF4-FFF2-40B4-BE49-F238E27FC236}">
-                <a16:creationId xmlns:a16="http://schemas.microsoft.com/office/drawing/2014/main" id="{2593061B-5547-45A5-988B-633392641E60}"/>
-              </a:ext>
-            </a:extLst>
-          </p:cNvPr>
-          <p:cNvCxnSpPr/>
-          <p:nvPr/>
-        </p:nvCxnSpPr>
-        <p:spPr>
-          <a:xfrm>
-            <a:off x="8950171" y="1358283"/>
-            <a:ext cx="0" cy="4651900"/>
-          </a:xfrm>
-          <a:prstGeom prst="line">
-            <a:avLst/>
-          </a:prstGeom>
-        </p:spPr>
-        <p:style>
-          <a:lnRef idx="1">
-            <a:schemeClr val="dk1"/>
-          </a:lnRef>
-          <a:fillRef idx="0">
-            <a:schemeClr val="dk1"/>
-          </a:fillRef>
-          <a:effectRef idx="0">
-            <a:schemeClr val="dk1"/>
-          </a:effectRef>
-          <a:fontRef idx="minor">
-            <a:schemeClr val="tx1"/>
-          </a:fontRef>
-        </p:style>
-      </p:cxnSp>
-    </p:spTree>
-    <p:extLst>
-      <p:ext uri="{BB962C8B-B14F-4D97-AF65-F5344CB8AC3E}">
-        <p14:creationId xmlns:p14="http://schemas.microsoft.com/office/powerpoint/2010/main" val="640603481"/>
-      </p:ext>
-    </p:extLst>
-  </p:cSld>
-  <p:clrMapOvr>
-    <a:masterClrMapping/>
-  </p:clrMapOvr>
-</p:sld>
-</file>
-
-<file path=ppt/slides/slide6.xml><?xml version="1.0" encoding="utf-8"?>
-<p:sld xmlns:a="http://schemas.openxmlformats.org/drawingml/2006/main" xmlns:r="http://schemas.openxmlformats.org/officeDocument/2006/relationships" xmlns:p="http://schemas.openxmlformats.org/presentationml/2006/main">
-  <p:cSld>
-    <p:spTree>
-      <p:nvGrpSpPr>
-        <p:cNvPr id="1" name=""/>
-        <p:cNvGrpSpPr/>
-        <p:nvPr/>
-      </p:nvGrpSpPr>
-      <p:grpSpPr>
-        <a:xfrm>
-          <a:off x="0" y="0"/>
-          <a:ext cx="0" cy="0"/>
-          <a:chOff x="0" y="0"/>
-          <a:chExt cx="0" cy="0"/>
-        </a:xfrm>
-      </p:grpSpPr>
-      <p:sp>
-        <p:nvSpPr>
-          <p:cNvPr id="2" name="Title 1">
-            <a:extLst>
-              <a:ext uri="{FF2B5EF4-FFF2-40B4-BE49-F238E27FC236}">
-                <a16:creationId xmlns:a16="http://schemas.microsoft.com/office/drawing/2014/main" id="{609F8479-3049-4A49-B554-1D54BF0E3B26}"/>
-              </a:ext>
-            </a:extLst>
-          </p:cNvPr>
-          <p:cNvSpPr>
-            <a:spLocks noGrp="1"/>
-          </p:cNvSpPr>
-          <p:nvPr>
-            <p:ph type="title"/>
-          </p:nvPr>
-        </p:nvSpPr>
-        <p:spPr>
-          <a:xfrm>
-            <a:off x="838200" y="365125"/>
-            <a:ext cx="6201792" cy="806727"/>
-          </a:xfrm>
-        </p:spPr>
-        <p:txBody>
-          <a:bodyPr/>
-          <a:lstStyle/>
-          <a:p>
-            <a:r>
-              <a:rPr lang="en-US" dirty="0"/>
-              <a:t>Python Data Structures</a:t>
+              <a:t>Python Data Types &amp; Data Structures</a:t>
             </a:r>
             <a:endParaRPr lang="en-IN" dirty="0"/>
           </a:p>
@@ -6823,7 +6868,7 @@
 </p:sld>
 </file>
 
-<file path=ppt/slides/slide7.xml><?xml version="1.0" encoding="utf-8"?>
+<file path=ppt/slides/slide6.xml><?xml version="1.0" encoding="utf-8"?>
 <p:sld xmlns:a="http://schemas.openxmlformats.org/drawingml/2006/main" xmlns:r="http://schemas.openxmlformats.org/officeDocument/2006/relationships" xmlns:p="http://schemas.openxmlformats.org/presentationml/2006/main">
   <p:cSld>
     <p:spTree>
@@ -7088,6 +7133,241 @@
 </p:sld>
 </file>
 
+<file path=ppt/slides/slide7.xml><?xml version="1.0" encoding="utf-8"?>
+<p:sld xmlns:a="http://schemas.openxmlformats.org/drawingml/2006/main" xmlns:r="http://schemas.openxmlformats.org/officeDocument/2006/relationships" xmlns:p="http://schemas.openxmlformats.org/presentationml/2006/main">
+  <p:cSld>
+    <p:spTree>
+      <p:nvGrpSpPr>
+        <p:cNvPr id="1" name=""/>
+        <p:cNvGrpSpPr/>
+        <p:nvPr/>
+      </p:nvGrpSpPr>
+      <p:grpSpPr>
+        <a:xfrm>
+          <a:off x="0" y="0"/>
+          <a:ext cx="0" cy="0"/>
+          <a:chOff x="0" y="0"/>
+          <a:chExt cx="0" cy="0"/>
+        </a:xfrm>
+      </p:grpSpPr>
+      <p:sp>
+        <p:nvSpPr>
+          <p:cNvPr id="2" name="Title 1">
+            <a:extLst>
+              <a:ext uri="{FF2B5EF4-FFF2-40B4-BE49-F238E27FC236}">
+                <a16:creationId xmlns:a16="http://schemas.microsoft.com/office/drawing/2014/main" id="{3351F76B-D5DE-4E90-83F5-836BB782B506}"/>
+              </a:ext>
+            </a:extLst>
+          </p:cNvPr>
+          <p:cNvSpPr>
+            <a:spLocks noGrp="1"/>
+          </p:cNvSpPr>
+          <p:nvPr>
+            <p:ph type="title"/>
+          </p:nvPr>
+        </p:nvSpPr>
+        <p:spPr>
+          <a:xfrm>
+            <a:off x="838200" y="365126"/>
+            <a:ext cx="10515600" cy="575908"/>
+          </a:xfrm>
+        </p:spPr>
+        <p:txBody>
+          <a:bodyPr>
+            <a:normAutofit fontScale="90000"/>
+          </a:bodyPr>
+          <a:lstStyle/>
+          <a:p>
+            <a:r>
+              <a:rPr lang="en-US" dirty="0"/>
+              <a:t>Examples:</a:t>
+            </a:r>
+            <a:endParaRPr lang="en-IN" dirty="0"/>
+          </a:p>
+        </p:txBody>
+      </p:sp>
+      <p:sp>
+        <p:nvSpPr>
+          <p:cNvPr id="3" name="Content Placeholder 2">
+            <a:extLst>
+              <a:ext uri="{FF2B5EF4-FFF2-40B4-BE49-F238E27FC236}">
+                <a16:creationId xmlns:a16="http://schemas.microsoft.com/office/drawing/2014/main" id="{C36CFF4C-ABBB-449A-9CA5-6975C6576395}"/>
+              </a:ext>
+            </a:extLst>
+          </p:cNvPr>
+          <p:cNvSpPr>
+            <a:spLocks noGrp="1"/>
+          </p:cNvSpPr>
+          <p:nvPr>
+            <p:ph idx="1"/>
+          </p:nvPr>
+        </p:nvSpPr>
+        <p:spPr>
+          <a:xfrm>
+            <a:off x="838200" y="1473693"/>
+            <a:ext cx="10515600" cy="4703270"/>
+          </a:xfrm>
+        </p:spPr>
+        <p:txBody>
+          <a:bodyPr>
+            <a:normAutofit fontScale="92500" lnSpcReduction="20000"/>
+          </a:bodyPr>
+          <a:lstStyle/>
+          <a:p>
+            <a:pPr marL="0" indent="0">
+              <a:buNone/>
+            </a:pPr>
+            <a:r>
+              <a:rPr lang="en-US" dirty="0"/>
+              <a:t>#</a:t>
+            </a:r>
+            <a:r>
+              <a:rPr lang="en-US" b="1" dirty="0"/>
+              <a:t>Arithmetic operators</a:t>
+            </a:r>
+          </a:p>
+          <a:p>
+            <a:pPr marL="0" indent="0">
+              <a:buNone/>
+            </a:pPr>
+            <a:r>
+              <a:rPr lang="en-IN" dirty="0"/>
+              <a:t># +,-,*,/,%,**,//</a:t>
+            </a:r>
+          </a:p>
+          <a:p>
+            <a:pPr marL="0" indent="0">
+              <a:buNone/>
+            </a:pPr>
+            <a:r>
+              <a:rPr lang="en-IN" dirty="0"/>
+              <a:t> </a:t>
+            </a:r>
+            <a:r>
+              <a:rPr lang="en-IN" sz="2600" dirty="0"/>
+              <a:t>a=10</a:t>
+            </a:r>
+          </a:p>
+          <a:p>
+            <a:pPr marL="0" indent="0">
+              <a:buNone/>
+            </a:pPr>
+            <a:r>
+              <a:rPr lang="en-IN" sz="2600" dirty="0"/>
+              <a:t> b=20</a:t>
+            </a:r>
+          </a:p>
+          <a:p>
+            <a:pPr marL="0" indent="0">
+              <a:buNone/>
+            </a:pPr>
+            <a:r>
+              <a:rPr lang="en-IN" sz="2600" dirty="0"/>
+              <a:t> print(</a:t>
+            </a:r>
+            <a:r>
+              <a:rPr lang="en-IN" sz="2600" dirty="0" err="1"/>
+              <a:t>a+b</a:t>
+            </a:r>
+            <a:r>
+              <a:rPr lang="en-IN" sz="2600" dirty="0"/>
+              <a:t>) 		#30</a:t>
+            </a:r>
+          </a:p>
+          <a:p>
+            <a:pPr marL="0" indent="0">
+              <a:buNone/>
+            </a:pPr>
+            <a:r>
+              <a:rPr lang="en-IN" sz="2600" dirty="0"/>
+              <a:t> print(a-b) 		#-10</a:t>
+            </a:r>
+          </a:p>
+          <a:p>
+            <a:pPr marL="0" indent="0">
+              <a:buNone/>
+            </a:pPr>
+            <a:r>
+              <a:rPr lang="en-IN" sz="2600" dirty="0"/>
+              <a:t> print(a*b) 		#200</a:t>
+            </a:r>
+          </a:p>
+          <a:p>
+            <a:pPr marL="0" indent="0">
+              <a:buNone/>
+            </a:pPr>
+            <a:r>
+              <a:rPr lang="en-IN" sz="2600" dirty="0"/>
+              <a:t> print(a/b) 		#0.5</a:t>
+            </a:r>
+          </a:p>
+          <a:p>
+            <a:pPr marL="0" indent="0">
+              <a:buNone/>
+            </a:pPr>
+            <a:r>
+              <a:rPr lang="en-IN" sz="2600" dirty="0"/>
+              <a:t> print(</a:t>
+            </a:r>
+            <a:r>
+              <a:rPr lang="en-IN" sz="2600" dirty="0" err="1"/>
+              <a:t>a%b</a:t>
+            </a:r>
+            <a:r>
+              <a:rPr lang="en-IN" sz="2600" dirty="0"/>
+              <a:t>)  		#returns remainder of the division.</a:t>
+            </a:r>
+          </a:p>
+          <a:p>
+            <a:pPr marL="0" indent="0">
+              <a:buNone/>
+            </a:pPr>
+            <a:r>
+              <a:rPr lang="en-IN" sz="2600" dirty="0"/>
+              <a:t> print(a**b) 		# exponent –&gt;a to the power of b.</a:t>
+            </a:r>
+          </a:p>
+          <a:p>
+            <a:pPr marL="0" indent="0">
+              <a:buNone/>
+            </a:pPr>
+            <a:r>
+              <a:rPr lang="en-IN" sz="2600" dirty="0"/>
+              <a:t> print(a//b) 		#floor division-discards fractional part and returns an integer.</a:t>
+            </a:r>
+          </a:p>
+          <a:p>
+            <a:pPr marL="0" indent="0">
+              <a:buNone/>
+            </a:pPr>
+            <a:r>
+              <a:rPr lang="en-IN" sz="2600" dirty="0"/>
+              <a:t> print(10 **(1/2)) 	# the </a:t>
+            </a:r>
+            <a:r>
+              <a:rPr lang="en-IN" sz="2600" dirty="0" err="1"/>
+              <a:t>squareroot</a:t>
+            </a:r>
+            <a:r>
+              <a:rPr lang="en-IN" sz="2600" dirty="0"/>
+              <a:t> of 10 and returns float.</a:t>
+            </a:r>
+          </a:p>
+        </p:txBody>
+      </p:sp>
+    </p:spTree>
+    <p:extLst>
+      <p:ext uri="{BB962C8B-B14F-4D97-AF65-F5344CB8AC3E}">
+        <p14:creationId xmlns:p14="http://schemas.microsoft.com/office/powerpoint/2010/main" val="3233710852"/>
+      </p:ext>
+    </p:extLst>
+  </p:cSld>
+  <p:clrMapOvr>
+    <a:masterClrMapping/>
+  </p:clrMapOvr>
+</p:sld>
+</file>
+
 <file path=ppt/slides/slide8.xml><?xml version="1.0" encoding="utf-8"?>
 <p:sld xmlns:a="http://schemas.openxmlformats.org/drawingml/2006/main" xmlns:r="http://schemas.openxmlformats.org/officeDocument/2006/relationships" xmlns:p="http://schemas.openxmlformats.org/presentationml/2006/main">
   <p:cSld>
@@ -7110,7 +7390,7 @@
           <p:cNvPr id="2" name="Title 1">
             <a:extLst>
               <a:ext uri="{FF2B5EF4-FFF2-40B4-BE49-F238E27FC236}">
-                <a16:creationId xmlns:a16="http://schemas.microsoft.com/office/drawing/2014/main" id="{3351F76B-D5DE-4E90-83F5-836BB782B506}"/>
+                <a16:creationId xmlns:a16="http://schemas.microsoft.com/office/drawing/2014/main" id="{31E84B57-4158-4628-BA68-FE6104F46F90}"/>
               </a:ext>
             </a:extLst>
           </p:cNvPr>
@@ -7121,14 +7401,21 @@
             <p:ph type="title"/>
           </p:nvPr>
         </p:nvSpPr>
-        <p:spPr/>
-        <p:txBody>
-          <a:bodyPr/>
+        <p:spPr>
+          <a:xfrm>
+            <a:off x="838200" y="365126"/>
+            <a:ext cx="10515600" cy="575908"/>
+          </a:xfrm>
+        </p:spPr>
+        <p:txBody>
+          <a:bodyPr>
+            <a:normAutofit fontScale="90000"/>
+          </a:bodyPr>
           <a:lstStyle/>
           <a:p>
             <a:r>
               <a:rPr lang="en-US" dirty="0"/>
-              <a:t>Examples:</a:t>
+              <a:t>Example:</a:t>
             </a:r>
             <a:endParaRPr lang="en-IN" dirty="0"/>
           </a:p>
@@ -7139,7 +7426,7 @@
           <p:cNvPr id="3" name="Content Placeholder 2">
             <a:extLst>
               <a:ext uri="{FF2B5EF4-FFF2-40B4-BE49-F238E27FC236}">
-                <a16:creationId xmlns:a16="http://schemas.microsoft.com/office/drawing/2014/main" id="{C36CFF4C-ABBB-449A-9CA5-6975C6576395}"/>
+                <a16:creationId xmlns:a16="http://schemas.microsoft.com/office/drawing/2014/main" id="{ED04C803-FE23-4214-8F8C-4BF3B5DC1C30}"/>
               </a:ext>
             </a:extLst>
           </p:cNvPr>
@@ -7152,14 +7439,12 @@
         </p:nvSpPr>
         <p:spPr>
           <a:xfrm>
-            <a:off x="838200" y="1473693"/>
-            <a:ext cx="10515600" cy="4703270"/>
-          </a:xfrm>
-        </p:spPr>
-        <p:txBody>
-          <a:bodyPr>
-            <a:normAutofit fontScale="92500" lnSpcReduction="20000"/>
-          </a:bodyPr>
+            <a:off x="914400" y="1562470"/>
+            <a:ext cx="10439400" cy="4614493"/>
+          </a:xfrm>
+        </p:spPr>
+        <p:txBody>
+          <a:bodyPr/>
           <a:lstStyle/>
           <a:p>
             <a:pPr marL="0" indent="0">
@@ -7171,142 +7456,84 @@
             </a:r>
             <a:r>
               <a:rPr lang="en-US" b="1" dirty="0"/>
-              <a:t>Arithmetic operators</a:t>
-            </a:r>
-          </a:p>
-          <a:p>
-            <a:pPr marL="0" indent="0">
-              <a:buNone/>
+              <a:t>Relational Operators</a:t>
+            </a:r>
+            <a:r>
+              <a:rPr lang="en-US" dirty="0"/>
+              <a:t>(&lt;,&gt;,==,!=,&gt;=,&lt;=)</a:t>
+            </a:r>
+          </a:p>
+          <a:p>
+            <a:pPr>
+              <a:buFont typeface="Wingdings" panose="05000000000000000000" pitchFamily="2" charset="2"/>
+              <a:buChar char="Ø"/>
             </a:pPr>
             <a:r>
-              <a:rPr lang="en-IN" dirty="0"/>
-              <a:t># +,-,*,/,%,**,//</a:t>
-            </a:r>
-          </a:p>
-          <a:p>
-            <a:pPr marL="0" indent="0">
-              <a:buNone/>
+              <a:rPr lang="en-US" dirty="0"/>
+              <a:t> </a:t>
+            </a:r>
+            <a:r>
+              <a:rPr lang="en-US" sz="2400" dirty="0"/>
+              <a:t>a=50</a:t>
+            </a:r>
+          </a:p>
+          <a:p>
+            <a:pPr>
+              <a:buFont typeface="Wingdings" panose="05000000000000000000" pitchFamily="2" charset="2"/>
+              <a:buChar char="Ø"/>
             </a:pPr>
             <a:r>
-              <a:rPr lang="en-IN" dirty="0"/>
-              <a:t> </a:t>
-            </a:r>
-            <a:r>
-              <a:rPr lang="en-IN" sz="2600" dirty="0"/>
-              <a:t>a=10</a:t>
-            </a:r>
-          </a:p>
-          <a:p>
-            <a:pPr marL="0" indent="0">
-              <a:buNone/>
+              <a:rPr lang="en-US" sz="2400" dirty="0"/>
+              <a:t> b=100</a:t>
+            </a:r>
+          </a:p>
+          <a:p>
+            <a:pPr>
+              <a:buFont typeface="Wingdings" panose="05000000000000000000" pitchFamily="2" charset="2"/>
+              <a:buChar char="Ø"/>
             </a:pPr>
             <a:r>
-              <a:rPr lang="en-IN" sz="2600" dirty="0"/>
-              <a:t> b=20</a:t>
-            </a:r>
-          </a:p>
-          <a:p>
-            <a:pPr marL="0" indent="0">
-              <a:buNone/>
+              <a:rPr lang="en-US" sz="2400" dirty="0"/>
+              <a:t> print(a&gt;b) 	#false</a:t>
+            </a:r>
+          </a:p>
+          <a:p>
+            <a:pPr>
+              <a:buFont typeface="Wingdings" panose="05000000000000000000" pitchFamily="2" charset="2"/>
+              <a:buChar char="Ø"/>
             </a:pPr>
             <a:r>
-              <a:rPr lang="en-IN" sz="2600" dirty="0"/>
-              <a:t> print(</a:t>
-            </a:r>
-            <a:r>
-              <a:rPr lang="en-IN" sz="2600" dirty="0" err="1"/>
-              <a:t>a+b</a:t>
-            </a:r>
-            <a:r>
-              <a:rPr lang="en-IN" sz="2600" dirty="0"/>
-              <a:t>) #30</a:t>
-            </a:r>
-          </a:p>
-          <a:p>
-            <a:pPr marL="0" indent="0">
-              <a:buNone/>
+              <a:rPr lang="en-US" sz="2400" dirty="0"/>
+              <a:t> print(a&lt;b) 	#true</a:t>
+            </a:r>
+          </a:p>
+          <a:p>
+            <a:pPr>
+              <a:buFont typeface="Wingdings" panose="05000000000000000000" pitchFamily="2" charset="2"/>
+              <a:buChar char="Ø"/>
             </a:pPr>
             <a:r>
-              <a:rPr lang="en-IN" sz="2600" dirty="0"/>
-              <a:t> print(a-b) #-10</a:t>
-            </a:r>
-          </a:p>
-          <a:p>
-            <a:pPr marL="0" indent="0">
-              <a:buNone/>
+              <a:rPr lang="en-US" sz="2400" dirty="0"/>
+              <a:t> print(a==b) 	#false</a:t>
+            </a:r>
+          </a:p>
+          <a:p>
+            <a:pPr>
+              <a:buFont typeface="Wingdings" panose="05000000000000000000" pitchFamily="2" charset="2"/>
+              <a:buChar char="Ø"/>
             </a:pPr>
             <a:r>
-              <a:rPr lang="en-IN" sz="2600" dirty="0"/>
-              <a:t> print(a*b) #200</a:t>
-            </a:r>
-          </a:p>
-          <a:p>
-            <a:pPr marL="0" indent="0">
-              <a:buNone/>
-            </a:pPr>
-            <a:r>
-              <a:rPr lang="en-IN" sz="2600" dirty="0"/>
-              <a:t> print(a/b) #0.5</a:t>
-            </a:r>
-          </a:p>
-          <a:p>
-            <a:pPr marL="0" indent="0">
-              <a:buNone/>
-            </a:pPr>
-            <a:r>
-              <a:rPr lang="en-IN" sz="2600" dirty="0"/>
-              <a:t> print(</a:t>
-            </a:r>
-            <a:r>
-              <a:rPr lang="en-IN" sz="2600" dirty="0" err="1"/>
-              <a:t>a%b</a:t>
-            </a:r>
-            <a:r>
-              <a:rPr lang="en-IN" sz="2600" dirty="0"/>
-              <a:t>)  #returns remainder of the division.</a:t>
-            </a:r>
-          </a:p>
-          <a:p>
-            <a:pPr marL="0" indent="0">
-              <a:buNone/>
-            </a:pPr>
-            <a:r>
-              <a:rPr lang="en-IN" sz="2600" dirty="0"/>
-              <a:t> print(a**b) # exponent –a to the power of b.</a:t>
-            </a:r>
-          </a:p>
-          <a:p>
-            <a:pPr marL="0" indent="0">
-              <a:buNone/>
-            </a:pPr>
-            <a:r>
-              <a:rPr lang="en-IN" sz="2600" dirty="0"/>
-              <a:t> print(a//b) #floor division-discards fractional part and returns an integer.</a:t>
-            </a:r>
-          </a:p>
-          <a:p>
-            <a:pPr marL="0" indent="0">
-              <a:buNone/>
-            </a:pPr>
-            <a:r>
-              <a:rPr lang="en-IN" sz="2600" dirty="0"/>
-              <a:t> print(10 **(1/2)) # the </a:t>
-            </a:r>
-            <a:r>
-              <a:rPr lang="en-IN" sz="2600" dirty="0" err="1"/>
-              <a:t>squareroot</a:t>
-            </a:r>
-            <a:r>
-              <a:rPr lang="en-IN" sz="2600" dirty="0"/>
-              <a:t> of 10 and returns float.</a:t>
-            </a:r>
+              <a:rPr lang="en-US" sz="2400" dirty="0"/>
+              <a:t> print(a!=b) 	#true</a:t>
+            </a:r>
+            <a:endParaRPr lang="en-IN" sz="2400" dirty="0"/>
           </a:p>
         </p:txBody>
       </p:sp>
     </p:spTree>
     <p:extLst>
       <p:ext uri="{BB962C8B-B14F-4D97-AF65-F5344CB8AC3E}">
-        <p14:creationId xmlns:p14="http://schemas.microsoft.com/office/powerpoint/2010/main" val="3233710852"/>
+        <p14:creationId xmlns:p14="http://schemas.microsoft.com/office/powerpoint/2010/main" val="2907863869"/>
       </p:ext>
     </p:extLst>
   </p:cSld>
@@ -7338,7 +7565,7 @@
           <p:cNvPr id="2" name="Title 1">
             <a:extLst>
               <a:ext uri="{FF2B5EF4-FFF2-40B4-BE49-F238E27FC236}">
-                <a16:creationId xmlns:a16="http://schemas.microsoft.com/office/drawing/2014/main" id="{31E84B57-4158-4628-BA68-FE6104F46F90}"/>
+                <a16:creationId xmlns:a16="http://schemas.microsoft.com/office/drawing/2014/main" id="{4BE43A39-25EA-4AB7-B134-58DE8AF1F8C5}"/>
               </a:ext>
             </a:extLst>
           </p:cNvPr>
@@ -7349,9 +7576,16 @@
             <p:ph type="title"/>
           </p:nvPr>
         </p:nvSpPr>
-        <p:spPr/>
-        <p:txBody>
-          <a:bodyPr/>
+        <p:spPr>
+          <a:xfrm>
+            <a:off x="838200" y="365125"/>
+            <a:ext cx="10515600" cy="540397"/>
+          </a:xfrm>
+        </p:spPr>
+        <p:txBody>
+          <a:bodyPr>
+            <a:normAutofit fontScale="90000"/>
+          </a:bodyPr>
           <a:lstStyle/>
           <a:p>
             <a:r>
@@ -7367,7 +7601,7 @@
           <p:cNvPr id="3" name="Content Placeholder 2">
             <a:extLst>
               <a:ext uri="{FF2B5EF4-FFF2-40B4-BE49-F238E27FC236}">
-                <a16:creationId xmlns:a16="http://schemas.microsoft.com/office/drawing/2014/main" id="{ED04C803-FE23-4214-8F8C-4BF3B5DC1C30}"/>
+                <a16:creationId xmlns:a16="http://schemas.microsoft.com/office/drawing/2014/main" id="{C69ECA81-DA4F-4371-BAF1-D581F012D663}"/>
               </a:ext>
             </a:extLst>
           </p:cNvPr>
@@ -7380,12 +7614,14 @@
         </p:nvSpPr>
         <p:spPr>
           <a:xfrm>
-            <a:off x="914400" y="1562470"/>
-            <a:ext cx="10439400" cy="4614493"/>
-          </a:xfrm>
-        </p:spPr>
-        <p:txBody>
-          <a:bodyPr/>
+            <a:off x="1087514" y="1367161"/>
+            <a:ext cx="10764915" cy="4939283"/>
+          </a:xfrm>
+        </p:spPr>
+        <p:txBody>
+          <a:bodyPr>
+            <a:normAutofit fontScale="92500" lnSpcReduction="10000"/>
+          </a:bodyPr>
           <a:lstStyle/>
           <a:p>
             <a:pPr marL="0" indent="0">
@@ -7397,83 +7633,128 @@
             </a:r>
             <a:r>
               <a:rPr lang="en-US" b="1" dirty="0"/>
-              <a:t>Relational Operators</a:t>
-            </a:r>
-          </a:p>
-          <a:p>
-            <a:pPr marL="0" indent="0">
-              <a:buNone/>
+              <a:t>Logical Operators (</a:t>
+            </a:r>
+            <a:r>
+              <a:rPr lang="en-US" dirty="0"/>
+              <a:t>&amp;,|)</a:t>
+            </a:r>
+          </a:p>
+          <a:p>
+            <a:pPr>
+              <a:buFont typeface="Wingdings" panose="05000000000000000000" pitchFamily="2" charset="2"/>
+              <a:buChar char="Ø"/>
             </a:pPr>
             <a:r>
               <a:rPr lang="en-US" dirty="0"/>
-              <a:t># &lt;,&gt;,==,!=,&gt;=,&lt;=</a:t>
-            </a:r>
-          </a:p>
-          <a:p>
-            <a:pPr marL="0" indent="0">
-              <a:buNone/>
+              <a:t>  a=</a:t>
+            </a:r>
+            <a:r>
+              <a:rPr lang="en-US" b="1" dirty="0"/>
+              <a:t>True</a:t>
+            </a:r>
+          </a:p>
+          <a:p>
+            <a:pPr>
+              <a:buFont typeface="Wingdings" panose="05000000000000000000" pitchFamily="2" charset="2"/>
+              <a:buChar char="Ø"/>
             </a:pPr>
             <a:r>
               <a:rPr lang="en-US" dirty="0"/>
-              <a:t> </a:t>
-            </a:r>
-            <a:r>
-              <a:rPr lang="en-US" sz="2400" dirty="0"/>
-              <a:t>a=50</a:t>
-            </a:r>
-          </a:p>
-          <a:p>
-            <a:pPr marL="0" indent="0">
-              <a:buNone/>
+              <a:t>  b=</a:t>
+            </a:r>
+            <a:r>
+              <a:rPr lang="en-US" b="1" dirty="0"/>
+              <a:t>False</a:t>
+            </a:r>
+          </a:p>
+          <a:p>
+            <a:pPr>
+              <a:buFont typeface="Wingdings" panose="05000000000000000000" pitchFamily="2" charset="2"/>
+              <a:buChar char="Ø"/>
             </a:pPr>
             <a:r>
-              <a:rPr lang="en-US" sz="2400" dirty="0"/>
-              <a:t> b=100</a:t>
-            </a:r>
-          </a:p>
-          <a:p>
-            <a:pPr marL="0" indent="0">
-              <a:buNone/>
+              <a:rPr lang="en-US" dirty="0"/>
+              <a:t>  print(a &amp; a) 	#true</a:t>
+            </a:r>
+          </a:p>
+          <a:p>
+            <a:pPr>
+              <a:buFont typeface="Wingdings" panose="05000000000000000000" pitchFamily="2" charset="2"/>
+              <a:buChar char="Ø"/>
             </a:pPr>
             <a:r>
-              <a:rPr lang="en-US" sz="2400" dirty="0"/>
-              <a:t> print(a&gt;b) #false</a:t>
-            </a:r>
-          </a:p>
-          <a:p>
-            <a:pPr marL="0" indent="0">
-              <a:buNone/>
+              <a:rPr lang="en-US" dirty="0"/>
+              <a:t> print(a &amp; b) 	#false</a:t>
+            </a:r>
+          </a:p>
+          <a:p>
+            <a:pPr>
+              <a:buFont typeface="Wingdings" panose="05000000000000000000" pitchFamily="2" charset="2"/>
+              <a:buChar char="Ø"/>
             </a:pPr>
             <a:r>
-              <a:rPr lang="en-US" sz="2400" dirty="0"/>
-              <a:t> print(a&lt;b) #true</a:t>
-            </a:r>
-          </a:p>
-          <a:p>
-            <a:pPr marL="0" indent="0">
-              <a:buNone/>
+              <a:rPr lang="en-US" dirty="0"/>
+              <a:t> print(b &amp; a) 	#false</a:t>
+            </a:r>
+          </a:p>
+          <a:p>
+            <a:pPr>
+              <a:buFont typeface="Wingdings" panose="05000000000000000000" pitchFamily="2" charset="2"/>
+              <a:buChar char="Ø"/>
             </a:pPr>
             <a:r>
-              <a:rPr lang="en-US" sz="2400" dirty="0"/>
-              <a:t> print(a==b) #false</a:t>
-            </a:r>
-          </a:p>
-          <a:p>
-            <a:pPr marL="0" indent="0">
-              <a:buNone/>
+              <a:rPr lang="en-US" dirty="0"/>
+              <a:t> print(b &amp; b) 	#false</a:t>
+            </a:r>
+          </a:p>
+          <a:p>
+            <a:pPr>
+              <a:buFont typeface="Wingdings" panose="05000000000000000000" pitchFamily="2" charset="2"/>
+              <a:buChar char="Ø"/>
             </a:pPr>
             <a:r>
-              <a:rPr lang="en-US" sz="2400" dirty="0"/>
-              <a:t> print(a!=b) #true</a:t>
-            </a:r>
-            <a:endParaRPr lang="en-IN" sz="2400" dirty="0"/>
+              <a:rPr lang="en-US" dirty="0"/>
+              <a:t> print(a | b) 	#True</a:t>
+            </a:r>
+          </a:p>
+          <a:p>
+            <a:pPr>
+              <a:buFont typeface="Wingdings" panose="05000000000000000000" pitchFamily="2" charset="2"/>
+              <a:buChar char="Ø"/>
+            </a:pPr>
+            <a:r>
+              <a:rPr lang="en-US" dirty="0"/>
+              <a:t> print(b | a) 	#True</a:t>
+            </a:r>
+          </a:p>
+          <a:p>
+            <a:pPr>
+              <a:buFont typeface="Wingdings" panose="05000000000000000000" pitchFamily="2" charset="2"/>
+              <a:buChar char="Ø"/>
+            </a:pPr>
+            <a:r>
+              <a:rPr lang="en-US" dirty="0"/>
+              <a:t> print(a | a) 	# true</a:t>
+            </a:r>
+          </a:p>
+          <a:p>
+            <a:pPr>
+              <a:buFont typeface="Wingdings" panose="05000000000000000000" pitchFamily="2" charset="2"/>
+              <a:buChar char="Ø"/>
+            </a:pPr>
+            <a:r>
+              <a:rPr lang="en-US" dirty="0"/>
+              <a:t> print(b | b) 	# False</a:t>
+            </a:r>
+            <a:endParaRPr lang="en-IN" dirty="0"/>
           </a:p>
         </p:txBody>
       </p:sp>
     </p:spTree>
     <p:extLst>
       <p:ext uri="{BB962C8B-B14F-4D97-AF65-F5344CB8AC3E}">
-        <p14:creationId xmlns:p14="http://schemas.microsoft.com/office/powerpoint/2010/main" val="2907863869"/>
+        <p14:creationId xmlns:p14="http://schemas.microsoft.com/office/powerpoint/2010/main" val="878453035"/>
       </p:ext>
     </p:extLst>
   </p:cSld>
